--- a/graphs/SPEC2017.pptx
+++ b/graphs/SPEC2017.pptx
@@ -104,6 +104,11 @@
       </a:defRPr>
     </a:lvl9pPr>
   </p:defaultTextStyle>
+  <p:extLst>
+    <p:ext uri="{EFAFB233-063F-42B5-8137-9DF3F51BA10A}">
+      <p15:sldGuideLst xmlns:p15="http://schemas.microsoft.com/office/powerpoint/2012/main"/>
+    </p:ext>
+  </p:extLst>
 </p:presentation>
 </file>
 
@@ -128,10 +133,10 @@
           <c:layoutTarget val="inner"/>
           <c:xMode val="edge"/>
           <c:yMode val="edge"/>
-          <c:x val="8.6819487228017439E-2"/>
+          <c:x val="9.2375043188614989E-2"/>
           <c:y val="2.2606445027704869E-2"/>
-          <c:w val="0.90368043917180219"/>
-          <c:h val="0.65093336249635458"/>
+          <c:w val="0.89812488321120465"/>
+          <c:h val="0.62130373286672502"/>
         </c:manualLayout>
       </c:layout>
       <c:barChart>
@@ -851,11 +856,11 @@
           <c:showBubbleSize val="0"/>
         </c:dLbls>
         <c:gapWidth val="75"/>
-        <c:axId val="-360154688"/>
-        <c:axId val="-360154144"/>
+        <c:axId val="-2135013328"/>
+        <c:axId val="-2135022576"/>
       </c:barChart>
       <c:catAx>
-        <c:axId val="-360154688"/>
+        <c:axId val="-2135013328"/>
         <c:scaling>
           <c:orientation val="minMax"/>
         </c:scaling>
@@ -879,26 +884,23 @@
           <a:effectLst/>
         </c:spPr>
         <c:txPr>
-          <a:bodyPr rot="-5400000" spcFirstLastPara="1" vertOverflow="ellipsis" vert="horz" wrap="square" anchor="ctr" anchorCtr="1"/>
+          <a:bodyPr rot="-5400000" spcFirstLastPara="1" vertOverflow="ellipsis" wrap="square" anchor="ctr" anchorCtr="1"/>
           <a:lstStyle/>
           <a:p>
             <a:pPr>
-              <a:defRPr sz="2600" b="0" i="0" u="none" strike="noStrike" kern="1200" baseline="0">
+              <a:defRPr sz="2800" b="0" i="0" u="none" strike="noStrike" kern="1200" baseline="0">
                 <a:solidFill>
-                  <a:schemeClr val="tx1">
-                    <a:lumMod val="65000"/>
-                    <a:lumOff val="35000"/>
-                  </a:schemeClr>
+                  <a:schemeClr val="tx1"/>
                 </a:solidFill>
-                <a:latin typeface="+mn-lt"/>
+                <a:latin typeface="Times New Roman" panose="02020603050405020304" pitchFamily="18" charset="0"/>
                 <a:ea typeface="+mn-ea"/>
-                <a:cs typeface="+mn-cs"/>
+                <a:cs typeface="Times New Roman" panose="02020603050405020304" pitchFamily="18" charset="0"/>
               </a:defRPr>
             </a:pPr>
             <a:endParaRPr lang="en-US"/>
           </a:p>
         </c:txPr>
-        <c:crossAx val="-360154144"/>
+        <c:crossAx val="-2135022576"/>
         <c:crosses val="autoZero"/>
         <c:auto val="1"/>
         <c:lblAlgn val="ctr"/>
@@ -906,7 +908,7 @@
         <c:noMultiLvlLbl val="0"/>
       </c:catAx>
       <c:valAx>
-        <c:axId val="-360154144"/>
+        <c:axId val="-2135022576"/>
         <c:scaling>
           <c:orientation val="minMax"/>
           <c:max val="2.1"/>
@@ -951,21 +953,30 @@
                 <a:pPr>
                   <a:defRPr sz="1000" b="0" i="0" u="none" strike="noStrike" kern="1200" baseline="0">
                     <a:solidFill>
-                      <a:schemeClr val="tx1">
-                        <a:lumMod val="65000"/>
-                        <a:lumOff val="35000"/>
-                      </a:schemeClr>
+                      <a:schemeClr val="tx1"/>
                     </a:solidFill>
-                    <a:latin typeface="+mn-lt"/>
+                    <a:latin typeface="Times New Roman" panose="02020603050405020304" pitchFamily="18" charset="0"/>
                     <a:ea typeface="+mn-ea"/>
-                    <a:cs typeface="+mn-cs"/>
+                    <a:cs typeface="Times New Roman" panose="02020603050405020304" pitchFamily="18" charset="0"/>
                   </a:defRPr>
                 </a:pPr>
                 <a:r>
-                  <a:rPr lang="en-IN" sz="3600" dirty="0" smtClean="0"/>
+                  <a:rPr lang="en-IN" sz="3600" dirty="0" smtClean="0">
+                    <a:solidFill>
+                      <a:schemeClr val="tx1"/>
+                    </a:solidFill>
+                    <a:latin typeface="Times New Roman" panose="02020603050405020304" pitchFamily="18" charset="0"/>
+                    <a:cs typeface="Times New Roman" panose="02020603050405020304" pitchFamily="18" charset="0"/>
+                  </a:rPr>
                   <a:t>Speedup</a:t>
                 </a:r>
-                <a:endParaRPr lang="en-IN" dirty="0" smtClean="0"/>
+                <a:endParaRPr lang="en-IN" dirty="0" smtClean="0">
+                  <a:solidFill>
+                    <a:schemeClr val="tx1"/>
+                  </a:solidFill>
+                  <a:latin typeface="Times New Roman" panose="02020603050405020304" pitchFamily="18" charset="0"/>
+                  <a:cs typeface="Times New Roman" panose="02020603050405020304" pitchFamily="18" charset="0"/>
+                </a:endParaRPr>
               </a:p>
             </c:rich>
           </c:tx>
@@ -992,14 +1003,11 @@
               <a:pPr>
                 <a:defRPr sz="1000" b="0" i="0" u="none" strike="noStrike" kern="1200" baseline="0">
                   <a:solidFill>
-                    <a:schemeClr val="tx1">
-                      <a:lumMod val="65000"/>
-                      <a:lumOff val="35000"/>
-                    </a:schemeClr>
+                    <a:schemeClr val="tx1"/>
                   </a:solidFill>
-                  <a:latin typeface="+mn-lt"/>
+                  <a:latin typeface="Times New Roman" panose="02020603050405020304" pitchFamily="18" charset="0"/>
                   <a:ea typeface="+mn-ea"/>
-                  <a:cs typeface="+mn-cs"/>
+                  <a:cs typeface="Times New Roman" panose="02020603050405020304" pitchFamily="18" charset="0"/>
                 </a:defRPr>
               </a:pPr>
               <a:endParaRPr lang="en-US"/>
@@ -1024,20 +1032,17 @@
             <a:pPr>
               <a:defRPr sz="2400" b="0" i="0" u="none" strike="noStrike" kern="1200" baseline="0">
                 <a:solidFill>
-                  <a:schemeClr val="tx1">
-                    <a:lumMod val="65000"/>
-                    <a:lumOff val="35000"/>
-                  </a:schemeClr>
+                  <a:schemeClr val="tx1"/>
                 </a:solidFill>
-                <a:latin typeface="+mn-lt"/>
+                <a:latin typeface="Times New Roman" panose="02020603050405020304" pitchFamily="18" charset="0"/>
                 <a:ea typeface="+mn-ea"/>
-                <a:cs typeface="+mn-cs"/>
+                <a:cs typeface="Times New Roman" panose="02020603050405020304" pitchFamily="18" charset="0"/>
               </a:defRPr>
             </a:pPr>
             <a:endParaRPr lang="en-US"/>
           </a:p>
         </c:txPr>
-        <c:crossAx val="-360154688"/>
+        <c:crossAx val="-2135013328"/>
         <c:crosses val="autoZero"/>
         <c:crossBetween val="between"/>
       </c:valAx>
@@ -1051,7 +1056,16 @@
     </c:plotArea>
     <c:legend>
       <c:legendPos val="b"/>
-      <c:layout/>
+      <c:layout>
+        <c:manualLayout>
+          <c:xMode val="edge"/>
+          <c:yMode val="edge"/>
+          <c:x val="0.25521028399025109"/>
+          <c:y val="0.92392475940507424"/>
+          <c:w val="0.48957935911193928"/>
+          <c:h val="7.6075240594925639E-2"/>
+        </c:manualLayout>
+      </c:layout>
       <c:overlay val="0"/>
       <c:spPr>
         <a:noFill/>
@@ -1067,14 +1081,11 @@
           <a:pPr>
             <a:defRPr sz="3200" b="0" i="0" u="none" strike="noStrike" kern="1200" baseline="0">
               <a:solidFill>
-                <a:schemeClr val="tx1">
-                  <a:lumMod val="65000"/>
-                  <a:lumOff val="35000"/>
-                </a:schemeClr>
+                <a:schemeClr val="tx1"/>
               </a:solidFill>
-              <a:latin typeface="+mn-lt"/>
+              <a:latin typeface="Times New Roman" panose="02020603050405020304" pitchFamily="18" charset="0"/>
               <a:ea typeface="+mn-ea"/>
-              <a:cs typeface="+mn-cs"/>
+              <a:cs typeface="Times New Roman" panose="02020603050405020304" pitchFamily="18" charset="0"/>
             </a:defRPr>
           </a:pPr>
           <a:endParaRPr lang="en-US"/>
@@ -1782,7 +1793,7 @@
           <a:p>
             <a:fld id="{5001567C-17B0-4798-B206-1A9A4A082DE4}" type="datetimeFigureOut">
               <a:rPr lang="en-IN" smtClean="0"/>
-              <a:t>04-12-2018</a:t>
+              <a:t>06-12-2018</a:t>
             </a:fld>
             <a:endParaRPr lang="en-IN"/>
           </a:p>
@@ -1952,7 +1963,7 @@
           <a:p>
             <a:fld id="{5001567C-17B0-4798-B206-1A9A4A082DE4}" type="datetimeFigureOut">
               <a:rPr lang="en-IN" smtClean="0"/>
-              <a:t>04-12-2018</a:t>
+              <a:t>06-12-2018</a:t>
             </a:fld>
             <a:endParaRPr lang="en-IN"/>
           </a:p>
@@ -2132,7 +2143,7 @@
           <a:p>
             <a:fld id="{5001567C-17B0-4798-B206-1A9A4A082DE4}" type="datetimeFigureOut">
               <a:rPr lang="en-IN" smtClean="0"/>
-              <a:t>04-12-2018</a:t>
+              <a:t>06-12-2018</a:t>
             </a:fld>
             <a:endParaRPr lang="en-IN"/>
           </a:p>
@@ -2302,7 +2313,7 @@
           <a:p>
             <a:fld id="{5001567C-17B0-4798-B206-1A9A4A082DE4}" type="datetimeFigureOut">
               <a:rPr lang="en-IN" smtClean="0"/>
-              <a:t>04-12-2018</a:t>
+              <a:t>06-12-2018</a:t>
             </a:fld>
             <a:endParaRPr lang="en-IN"/>
           </a:p>
@@ -2548,7 +2559,7 @@
           <a:p>
             <a:fld id="{5001567C-17B0-4798-B206-1A9A4A082DE4}" type="datetimeFigureOut">
               <a:rPr lang="en-IN" smtClean="0"/>
-              <a:t>04-12-2018</a:t>
+              <a:t>06-12-2018</a:t>
             </a:fld>
             <a:endParaRPr lang="en-IN"/>
           </a:p>
@@ -2780,7 +2791,7 @@
           <a:p>
             <a:fld id="{5001567C-17B0-4798-B206-1A9A4A082DE4}" type="datetimeFigureOut">
               <a:rPr lang="en-IN" smtClean="0"/>
-              <a:t>04-12-2018</a:t>
+              <a:t>06-12-2018</a:t>
             </a:fld>
             <a:endParaRPr lang="en-IN"/>
           </a:p>
@@ -3147,7 +3158,7 @@
           <a:p>
             <a:fld id="{5001567C-17B0-4798-B206-1A9A4A082DE4}" type="datetimeFigureOut">
               <a:rPr lang="en-IN" smtClean="0"/>
-              <a:t>04-12-2018</a:t>
+              <a:t>06-12-2018</a:t>
             </a:fld>
             <a:endParaRPr lang="en-IN"/>
           </a:p>
@@ -3265,7 +3276,7 @@
           <a:p>
             <a:fld id="{5001567C-17B0-4798-B206-1A9A4A082DE4}" type="datetimeFigureOut">
               <a:rPr lang="en-IN" smtClean="0"/>
-              <a:t>04-12-2018</a:t>
+              <a:t>06-12-2018</a:t>
             </a:fld>
             <a:endParaRPr lang="en-IN"/>
           </a:p>
@@ -3360,7 +3371,7 @@
           <a:p>
             <a:fld id="{5001567C-17B0-4798-B206-1A9A4A082DE4}" type="datetimeFigureOut">
               <a:rPr lang="en-IN" smtClean="0"/>
-              <a:t>04-12-2018</a:t>
+              <a:t>06-12-2018</a:t>
             </a:fld>
             <a:endParaRPr lang="en-IN"/>
           </a:p>
@@ -3637,7 +3648,7 @@
           <a:p>
             <a:fld id="{5001567C-17B0-4798-B206-1A9A4A082DE4}" type="datetimeFigureOut">
               <a:rPr lang="en-IN" smtClean="0"/>
-              <a:t>04-12-2018</a:t>
+              <a:t>06-12-2018</a:t>
             </a:fld>
             <a:endParaRPr lang="en-IN"/>
           </a:p>
@@ -3894,7 +3905,7 @@
           <a:p>
             <a:fld id="{5001567C-17B0-4798-B206-1A9A4A082DE4}" type="datetimeFigureOut">
               <a:rPr lang="en-IN" smtClean="0"/>
-              <a:t>04-12-2018</a:t>
+              <a:t>06-12-2018</a:t>
             </a:fld>
             <a:endParaRPr lang="en-IN"/>
           </a:p>
@@ -4107,7 +4118,7 @@
           <a:p>
             <a:fld id="{5001567C-17B0-4798-B206-1A9A4A082DE4}" type="datetimeFigureOut">
               <a:rPr lang="en-IN" smtClean="0"/>
-              <a:t>04-12-2018</a:t>
+              <a:t>06-12-2018</a:t>
             </a:fld>
             <a:endParaRPr lang="en-IN"/>
           </a:p>
@@ -4521,14 +4532,14 @@
           <p:nvPr>
             <p:extLst>
               <p:ext uri="{D42A27DB-BD31-4B8C-83A1-F6EECF244321}">
-                <p14:modId xmlns:p14="http://schemas.microsoft.com/office/powerpoint/2010/main" val="3283612852"/>
+                <p14:modId xmlns:p14="http://schemas.microsoft.com/office/powerpoint/2010/main" val="1414193835"/>
               </p:ext>
             </p:extLst>
           </p:nvPr>
         </p:nvGraphicFramePr>
         <p:xfrm>
           <a:off x="0" y="0"/>
-          <a:ext cx="13715999" cy="6858000"/>
+          <a:ext cx="13715999" cy="6979024"/>
         </p:xfrm>
         <a:graphic>
           <a:graphicData uri="http://schemas.openxmlformats.org/drawingml/2006/chart">
